--- a/Database Administrator/Module4-Data Sources and Databases/4.1-Mapping the Data Landscape Internal Sources and Beyond(2th-4p)/Mapping the Data.pptx
+++ b/Database Administrator/Module4-Data Sources and Databases/4.1-Mapping the Data Landscape Internal Sources and Beyond(2th-4p)/Mapping the Data.pptx
@@ -357,7 +357,7 @@
   <pc:docChgLst>
     <pc:chgData name="Krishna Kant Dubey" userId="cd28fa1e1902c48d" providerId="LiveId" clId="{C46ABB5C-CFD6-401E-894F-7ACF5FAAAA3F}"/>
     <pc:docChg chg="modSld">
-      <pc:chgData name="Krishna Kant Dubey" userId="cd28fa1e1902c48d" providerId="LiveId" clId="{C46ABB5C-CFD6-401E-894F-7ACF5FAAAA3F}" dt="2025-08-06T09:53:45.744" v="29" actId="113"/>
+      <pc:chgData name="Krishna Kant Dubey" userId="cd28fa1e1902c48d" providerId="LiveId" clId="{C46ABB5C-CFD6-401E-894F-7ACF5FAAAA3F}" dt="2025-08-11T06:10:12.553" v="30"/>
       <pc:docMkLst>
         <pc:docMk/>
       </pc:docMkLst>
@@ -375,6 +375,21 @@
             <ac:spMk id="12" creationId="{941B6D05-14FE-733C-BADE-E07A8CDD1589}"/>
           </ac:spMkLst>
         </pc:spChg>
+      </pc:sldChg>
+      <pc:sldChg chg="addSp modSp">
+        <pc:chgData name="Krishna Kant Dubey" userId="cd28fa1e1902c48d" providerId="LiveId" clId="{C46ABB5C-CFD6-401E-894F-7ACF5FAAAA3F}" dt="2025-08-11T06:10:12.553" v="30"/>
+        <pc:sldMkLst>
+          <pc:docMk/>
+          <pc:sldMk cId="2381247086" sldId="257"/>
+        </pc:sldMkLst>
+        <pc:picChg chg="add mod">
+          <ac:chgData name="Krishna Kant Dubey" userId="cd28fa1e1902c48d" providerId="LiveId" clId="{C46ABB5C-CFD6-401E-894F-7ACF5FAAAA3F}" dt="2025-08-11T06:10:12.553" v="30"/>
+          <ac:picMkLst>
+            <pc:docMk/>
+            <pc:sldMk cId="2381247086" sldId="257"/>
+            <ac:picMk id="3" creationId="{49D86A38-3EE8-3EE8-6AF2-C0DB66DB3443}"/>
+          </ac:picMkLst>
+        </pc:picChg>
       </pc:sldChg>
     </pc:docChg>
   </pc:docChgLst>
@@ -421,22 +436,6 @@
           <pc:docMk/>
           <pc:sldMk cId="1248854694" sldId="262"/>
         </pc:sldMkLst>
-        <pc:spChg chg="add del">
-          <ac:chgData name="Krishna Kant Dubey" userId="cd28fa1e1902c48d" providerId="LiveId" clId="{34437D65-450D-425C-8588-D221E875ABD1}" dt="2025-08-06T08:59:03.187" v="20" actId="478"/>
-          <ac:spMkLst>
-            <pc:docMk/>
-            <pc:sldMk cId="1248854694" sldId="262"/>
-            <ac:spMk id="2" creationId="{86769C14-9777-D3A8-C9CF-BBF67CC8EED8}"/>
-          </ac:spMkLst>
-        </pc:spChg>
-        <pc:spChg chg="add mod">
-          <ac:chgData name="Krishna Kant Dubey" userId="cd28fa1e1902c48d" providerId="LiveId" clId="{34437D65-450D-425C-8588-D221E875ABD1}" dt="2025-08-06T08:59:00.984" v="19" actId="478"/>
-          <ac:spMkLst>
-            <pc:docMk/>
-            <pc:sldMk cId="1248854694" sldId="262"/>
-            <ac:spMk id="3" creationId="{EB0FC26F-D786-CD96-A58D-4D9E13192BD8}"/>
-          </ac:spMkLst>
-        </pc:spChg>
         <pc:spChg chg="add del mod">
           <ac:chgData name="Krishna Kant Dubey" userId="cd28fa1e1902c48d" providerId="LiveId" clId="{34437D65-450D-425C-8588-D221E875ABD1}" dt="2025-08-06T09:01:10.340" v="46" actId="14100"/>
           <ac:spMkLst>
@@ -460,14 +459,6 @@
           <pc:docMk/>
           <pc:sldMk cId="2660052111" sldId="263"/>
         </pc:sldMkLst>
-        <pc:spChg chg="add">
-          <ac:chgData name="Krishna Kant Dubey" userId="cd28fa1e1902c48d" providerId="LiveId" clId="{34437D65-450D-425C-8588-D221E875ABD1}" dt="2025-08-06T09:02:25.920" v="64"/>
-          <ac:spMkLst>
-            <pc:docMk/>
-            <pc:sldMk cId="2660052111" sldId="263"/>
-            <ac:spMk id="2" creationId="{5A9B53FC-7EAB-F0CE-7BA6-B62D0CB55B71}"/>
-          </ac:spMkLst>
-        </pc:spChg>
         <pc:spChg chg="mod">
           <ac:chgData name="Krishna Kant Dubey" userId="cd28fa1e1902c48d" providerId="LiveId" clId="{34437D65-450D-425C-8588-D221E875ABD1}" dt="2025-08-06T09:03:41.747" v="78" actId="207"/>
           <ac:spMkLst>
@@ -856,7 +847,7 @@
           <a:p>
             <a:fld id="{771BC1E5-8BD3-45A8-A8D4-BE6B8D3F526F}" type="datetimeFigureOut">
               <a:rPr lang="en-IN" smtClean="0"/>
-              <a:t>06-08-2025</a:t>
+              <a:t>11-08-2025</a:t>
             </a:fld>
             <a:endParaRPr lang="en-IN"/>
           </a:p>
@@ -1273,7 +1264,7 @@
           <a:p>
             <a:fld id="{8B8265E5-5E35-4F50-869B-ACC7CF337DF9}" type="datetimeFigureOut">
               <a:rPr lang="en-IN" smtClean="0"/>
-              <a:t>06-08-2025</a:t>
+              <a:t>11-08-2025</a:t>
             </a:fld>
             <a:endParaRPr lang="en-IN"/>
           </a:p>
@@ -1473,7 +1464,7 @@
           <a:p>
             <a:fld id="{8B8265E5-5E35-4F50-869B-ACC7CF337DF9}" type="datetimeFigureOut">
               <a:rPr lang="en-IN" smtClean="0"/>
-              <a:t>06-08-2025</a:t>
+              <a:t>11-08-2025</a:t>
             </a:fld>
             <a:endParaRPr lang="en-IN"/>
           </a:p>
@@ -1683,7 +1674,7 @@
           <a:p>
             <a:fld id="{8B8265E5-5E35-4F50-869B-ACC7CF337DF9}" type="datetimeFigureOut">
               <a:rPr lang="en-IN" smtClean="0"/>
-              <a:t>06-08-2025</a:t>
+              <a:t>11-08-2025</a:t>
             </a:fld>
             <a:endParaRPr lang="en-IN"/>
           </a:p>
@@ -1883,7 +1874,7 @@
           <a:p>
             <a:fld id="{8B8265E5-5E35-4F50-869B-ACC7CF337DF9}" type="datetimeFigureOut">
               <a:rPr lang="en-IN" smtClean="0"/>
-              <a:t>06-08-2025</a:t>
+              <a:t>11-08-2025</a:t>
             </a:fld>
             <a:endParaRPr lang="en-IN"/>
           </a:p>
@@ -2159,7 +2150,7 @@
           <a:p>
             <a:fld id="{8B8265E5-5E35-4F50-869B-ACC7CF337DF9}" type="datetimeFigureOut">
               <a:rPr lang="en-IN" smtClean="0"/>
-              <a:t>06-08-2025</a:t>
+              <a:t>11-08-2025</a:t>
             </a:fld>
             <a:endParaRPr lang="en-IN"/>
           </a:p>
@@ -2427,7 +2418,7 @@
           <a:p>
             <a:fld id="{8B8265E5-5E35-4F50-869B-ACC7CF337DF9}" type="datetimeFigureOut">
               <a:rPr lang="en-IN" smtClean="0"/>
-              <a:t>06-08-2025</a:t>
+              <a:t>11-08-2025</a:t>
             </a:fld>
             <a:endParaRPr lang="en-IN"/>
           </a:p>
@@ -2842,7 +2833,7 @@
           <a:p>
             <a:fld id="{8B8265E5-5E35-4F50-869B-ACC7CF337DF9}" type="datetimeFigureOut">
               <a:rPr lang="en-IN" smtClean="0"/>
-              <a:t>06-08-2025</a:t>
+              <a:t>11-08-2025</a:t>
             </a:fld>
             <a:endParaRPr lang="en-IN"/>
           </a:p>
@@ -2984,7 +2975,7 @@
           <a:p>
             <a:fld id="{8B8265E5-5E35-4F50-869B-ACC7CF337DF9}" type="datetimeFigureOut">
               <a:rPr lang="en-IN" smtClean="0"/>
-              <a:t>06-08-2025</a:t>
+              <a:t>11-08-2025</a:t>
             </a:fld>
             <a:endParaRPr lang="en-IN"/>
           </a:p>
@@ -3097,7 +3088,7 @@
           <a:p>
             <a:fld id="{8B8265E5-5E35-4F50-869B-ACC7CF337DF9}" type="datetimeFigureOut">
               <a:rPr lang="en-IN" smtClean="0"/>
-              <a:t>06-08-2025</a:t>
+              <a:t>11-08-2025</a:t>
             </a:fld>
             <a:endParaRPr lang="en-IN"/>
           </a:p>
@@ -3410,7 +3401,7 @@
           <a:p>
             <a:fld id="{8B8265E5-5E35-4F50-869B-ACC7CF337DF9}" type="datetimeFigureOut">
               <a:rPr lang="en-IN" smtClean="0"/>
-              <a:t>06-08-2025</a:t>
+              <a:t>11-08-2025</a:t>
             </a:fld>
             <a:endParaRPr lang="en-IN"/>
           </a:p>
@@ -3699,7 +3690,7 @@
           <a:p>
             <a:fld id="{8B8265E5-5E35-4F50-869B-ACC7CF337DF9}" type="datetimeFigureOut">
               <a:rPr lang="en-IN" smtClean="0"/>
-              <a:t>06-08-2025</a:t>
+              <a:t>11-08-2025</a:t>
             </a:fld>
             <a:endParaRPr lang="en-IN"/>
           </a:p>
@@ -3942,7 +3933,7 @@
           <a:p>
             <a:fld id="{8B8265E5-5E35-4F50-869B-ACC7CF337DF9}" type="datetimeFigureOut">
               <a:rPr lang="en-IN" smtClean="0"/>
-              <a:t>06-08-2025</a:t>
+              <a:t>11-08-2025</a:t>
             </a:fld>
             <a:endParaRPr lang="en-IN"/>
           </a:p>
@@ -4491,6 +4482,41 @@
           </a:p>
         </p:txBody>
       </p:sp>
+      <p:pic>
+        <p:nvPicPr>
+          <p:cNvPr id="3" name="Content Placeholder 4">
+            <a:extLst>
+              <a:ext uri="{FF2B5EF4-FFF2-40B4-BE49-F238E27FC236}">
+                <a16:creationId xmlns:a16="http://schemas.microsoft.com/office/drawing/2014/main" id="{49D86A38-3EE8-3EE8-6AF2-C0DB66DB3443}"/>
+              </a:ext>
+            </a:extLst>
+          </p:cNvPr>
+          <p:cNvPicPr>
+            <a:picLocks noGrp="1" noChangeAspect="1"/>
+          </p:cNvPicPr>
+          <p:nvPr/>
+        </p:nvPicPr>
+        <p:blipFill>
+          <a:blip r:embed="rId4">
+            <a:extLst>
+              <a:ext uri="{28A0092B-C50C-407E-A947-70E740481C1C}">
+                <a14:useLocalDpi xmlns:a14="http://schemas.microsoft.com/office/drawing/2010/main" val="0"/>
+              </a:ext>
+            </a:extLst>
+          </a:blip>
+          <a:srcRect/>
+          <a:stretch/>
+        </p:blipFill>
+        <p:spPr>
+          <a:xfrm>
+            <a:off x="-3047" y="0"/>
+            <a:ext cx="12198095" cy="6858000"/>
+          </a:xfrm>
+          <a:prstGeom prst="rect">
+            <a:avLst/>
+          </a:prstGeom>
+        </p:spPr>
+      </p:pic>
     </p:spTree>
     <p:extLst>
       <p:ext uri="{BB962C8B-B14F-4D97-AF65-F5344CB8AC3E}">
